--- a/Article/Algorithm/알고리즘_문제/2018_summer_winter_coding/img/img.pptx
+++ b/Article/Algorithm/알고리즘_문제/2018_summer_winter_coding/img/img.pptx
@@ -104,6 +104,11 @@
       </a:defRPr>
     </a:lvl9pPr>
   </p:defaultTextStyle>
+  <p:extLst>
+    <p:ext uri="{EFAFB233-063F-42B5-8137-9DF3F51BA10A}">
+      <p15:sldGuideLst xmlns:p15="http://schemas.microsoft.com/office/powerpoint/2012/main"/>
+    </p:ext>
+  </p:extLst>
 </p:presentation>
 </file>
 
@@ -3358,7 +3363,7 @@
         </p:blipFill>
         <p:spPr bwMode="auto">
           <a:xfrm>
-            <a:off x="520963" y="603666"/>
+            <a:off x="427656" y="603666"/>
             <a:ext cx="11430000" cy="5520035"/>
           </a:xfrm>
           <a:prstGeom prst="rect">
